--- a/docs/diagrams/StatsPreparationSequenceDiagram.pptx
+++ b/docs/diagrams/StatsPreparationSequenceDiagram.pptx
@@ -208,7 +208,7 @@
           <a:p>
             <a:fld id="{F5CC4B3F-88C1-4FFA-B1B6-F41C21DC6924}" type="datetimeFigureOut">
               <a:rPr lang="en-US" smtClean="0"/>
-              <a:t>11-Nov-18</a:t>
+              <a:t>12-Nov-18</a:t>
             </a:fld>
             <a:endParaRPr lang="en-US"/>
           </a:p>
@@ -475,6 +475,90 @@
 </p:notesMaster>
 </file>
 
+<file path=ppt/notesSlides/notesSlide1.xml><?xml version="1.0" encoding="utf-8"?>
+<p:notes xmlns:a="http://schemas.openxmlformats.org/drawingml/2006/main" xmlns:r="http://schemas.openxmlformats.org/officeDocument/2006/relationships" xmlns:p="http://schemas.openxmlformats.org/presentationml/2006/main">
+  <p:cSld>
+    <p:spTree>
+      <p:nvGrpSpPr>
+        <p:cNvPr id="1" name=""/>
+        <p:cNvGrpSpPr/>
+        <p:nvPr/>
+      </p:nvGrpSpPr>
+      <p:grpSpPr>
+        <a:xfrm>
+          <a:off x="0" y="0"/>
+          <a:ext cx="0" cy="0"/>
+          <a:chOff x="0" y="0"/>
+          <a:chExt cx="0" cy="0"/>
+        </a:xfrm>
+      </p:grpSpPr>
+      <p:sp>
+        <p:nvSpPr>
+          <p:cNvPr id="2" name="Slide Image Placeholder 1"/>
+          <p:cNvSpPr>
+            <a:spLocks noGrp="1" noRot="1" noChangeAspect="1"/>
+          </p:cNvSpPr>
+          <p:nvPr>
+            <p:ph type="sldImg"/>
+          </p:nvPr>
+        </p:nvSpPr>
+        <p:spPr/>
+      </p:sp>
+      <p:sp>
+        <p:nvSpPr>
+          <p:cNvPr id="3" name="Notes Placeholder 2"/>
+          <p:cNvSpPr>
+            <a:spLocks noGrp="1"/>
+          </p:cNvSpPr>
+          <p:nvPr>
+            <p:ph type="body" idx="1"/>
+          </p:nvPr>
+        </p:nvSpPr>
+        <p:spPr/>
+        <p:txBody>
+          <a:bodyPr/>
+          <a:lstStyle/>
+          <a:p>
+            <a:endParaRPr lang="en-US" dirty="0"/>
+          </a:p>
+        </p:txBody>
+      </p:sp>
+      <p:sp>
+        <p:nvSpPr>
+          <p:cNvPr id="4" name="Slide Number Placeholder 3"/>
+          <p:cNvSpPr>
+            <a:spLocks noGrp="1"/>
+          </p:cNvSpPr>
+          <p:nvPr>
+            <p:ph type="sldNum" sz="quarter" idx="5"/>
+          </p:nvPr>
+        </p:nvSpPr>
+        <p:spPr/>
+        <p:txBody>
+          <a:bodyPr/>
+          <a:lstStyle/>
+          <a:p>
+            <a:fld id="{5A7AB025-77E3-4BD1-A2FD-B3183DBA47A3}" type="slidenum">
+              <a:rPr lang="en-US" smtClean="0"/>
+              <a:t>1</a:t>
+            </a:fld>
+            <a:endParaRPr lang="en-US"/>
+          </a:p>
+        </p:txBody>
+      </p:sp>
+    </p:spTree>
+    <p:extLst>
+      <p:ext uri="{BB962C8B-B14F-4D97-AF65-F5344CB8AC3E}">
+        <p14:creationId xmlns:p14="http://schemas.microsoft.com/office/powerpoint/2010/main" val="487181019"/>
+      </p:ext>
+    </p:extLst>
+  </p:cSld>
+  <p:clrMapOvr>
+    <a:masterClrMapping/>
+  </p:clrMapOvr>
+</p:notes>
+</file>
+
 <file path=ppt/slideLayouts/slideLayout1.xml><?xml version="1.0" encoding="utf-8"?>
 <p:sldLayout xmlns:a="http://schemas.openxmlformats.org/drawingml/2006/main" xmlns:r="http://schemas.openxmlformats.org/officeDocument/2006/relationships" xmlns:p="http://schemas.openxmlformats.org/presentationml/2006/main" type="title" preserve="1">
   <p:cSld name="Title Slide">
@@ -654,7 +738,7 @@
           <a:p>
             <a:fld id="{78C97017-6FC3-485B-9764-EAC9E56C1D49}" type="datetimeFigureOut">
               <a:rPr lang="en-US" smtClean="0"/>
-              <a:t>11-Nov-18</a:t>
+              <a:t>12-Nov-18</a:t>
             </a:fld>
             <a:endParaRPr lang="en-US"/>
           </a:p>
@@ -822,7 +906,7 @@
           <a:p>
             <a:fld id="{78C97017-6FC3-485B-9764-EAC9E56C1D49}" type="datetimeFigureOut">
               <a:rPr lang="en-US" smtClean="0"/>
-              <a:t>11-Nov-18</a:t>
+              <a:t>12-Nov-18</a:t>
             </a:fld>
             <a:endParaRPr lang="en-US"/>
           </a:p>
@@ -1000,7 +1084,7 @@
           <a:p>
             <a:fld id="{78C97017-6FC3-485B-9764-EAC9E56C1D49}" type="datetimeFigureOut">
               <a:rPr lang="en-US" smtClean="0"/>
-              <a:t>11-Nov-18</a:t>
+              <a:t>12-Nov-18</a:t>
             </a:fld>
             <a:endParaRPr lang="en-US"/>
           </a:p>
@@ -1168,7 +1252,7 @@
           <a:p>
             <a:fld id="{78C97017-6FC3-485B-9764-EAC9E56C1D49}" type="datetimeFigureOut">
               <a:rPr lang="en-US" smtClean="0"/>
-              <a:t>11-Nov-18</a:t>
+              <a:t>12-Nov-18</a:t>
             </a:fld>
             <a:endParaRPr lang="en-US"/>
           </a:p>
@@ -1413,7 +1497,7 @@
           <a:p>
             <a:fld id="{78C97017-6FC3-485B-9764-EAC9E56C1D49}" type="datetimeFigureOut">
               <a:rPr lang="en-US" smtClean="0"/>
-              <a:t>11-Nov-18</a:t>
+              <a:t>12-Nov-18</a:t>
             </a:fld>
             <a:endParaRPr lang="en-US"/>
           </a:p>
@@ -1698,7 +1782,7 @@
           <a:p>
             <a:fld id="{78C97017-6FC3-485B-9764-EAC9E56C1D49}" type="datetimeFigureOut">
               <a:rPr lang="en-US" smtClean="0"/>
-              <a:t>11-Nov-18</a:t>
+              <a:t>12-Nov-18</a:t>
             </a:fld>
             <a:endParaRPr lang="en-US"/>
           </a:p>
@@ -2117,7 +2201,7 @@
           <a:p>
             <a:fld id="{78C97017-6FC3-485B-9764-EAC9E56C1D49}" type="datetimeFigureOut">
               <a:rPr lang="en-US" smtClean="0"/>
-              <a:t>11-Nov-18</a:t>
+              <a:t>12-Nov-18</a:t>
             </a:fld>
             <a:endParaRPr lang="en-US"/>
           </a:p>
@@ -2234,7 +2318,7 @@
           <a:p>
             <a:fld id="{78C97017-6FC3-485B-9764-EAC9E56C1D49}" type="datetimeFigureOut">
               <a:rPr lang="en-US" smtClean="0"/>
-              <a:t>11-Nov-18</a:t>
+              <a:t>12-Nov-18</a:t>
             </a:fld>
             <a:endParaRPr lang="en-US"/>
           </a:p>
@@ -2329,7 +2413,7 @@
           <a:p>
             <a:fld id="{78C97017-6FC3-485B-9764-EAC9E56C1D49}" type="datetimeFigureOut">
               <a:rPr lang="en-US" smtClean="0"/>
-              <a:t>11-Nov-18</a:t>
+              <a:t>12-Nov-18</a:t>
             </a:fld>
             <a:endParaRPr lang="en-US"/>
           </a:p>
@@ -2604,7 +2688,7 @@
           <a:p>
             <a:fld id="{78C97017-6FC3-485B-9764-EAC9E56C1D49}" type="datetimeFigureOut">
               <a:rPr lang="en-US" smtClean="0"/>
-              <a:t>11-Nov-18</a:t>
+              <a:t>12-Nov-18</a:t>
             </a:fld>
             <a:endParaRPr lang="en-US"/>
           </a:p>
@@ -2856,7 +2940,7 @@
           <a:p>
             <a:fld id="{78C97017-6FC3-485B-9764-EAC9E56C1D49}" type="datetimeFigureOut">
               <a:rPr lang="en-US" smtClean="0"/>
-              <a:t>11-Nov-18</a:t>
+              <a:t>12-Nov-18</a:t>
             </a:fld>
             <a:endParaRPr lang="en-US"/>
           </a:p>
@@ -3067,7 +3151,7 @@
           <a:p>
             <a:fld id="{78C97017-6FC3-485B-9764-EAC9E56C1D49}" type="datetimeFigureOut">
               <a:rPr lang="en-US" smtClean="0"/>
-              <a:t>11-Nov-18</a:t>
+              <a:t>12-Nov-18</a:t>
             </a:fld>
             <a:endParaRPr lang="en-US"/>
           </a:p>
@@ -3616,7 +3700,7 @@
         <p:spPr>
           <a:xfrm>
             <a:off x="1119852" y="1486912"/>
-            <a:ext cx="141523" cy="7020984"/>
+            <a:ext cx="139253" cy="7961888"/>
           </a:xfrm>
           <a:prstGeom prst="rect">
             <a:avLst/>
@@ -4237,7 +4321,7 @@
         </p:nvCxnSpPr>
         <p:spPr>
           <a:xfrm>
-            <a:off x="-76200" y="8534400"/>
+            <a:off x="-76200" y="9448800"/>
             <a:ext cx="1196051" cy="0"/>
           </a:xfrm>
           <a:prstGeom prst="straightConnector1">
@@ -4376,8 +4460,8 @@
         </p:nvSpPr>
         <p:spPr>
           <a:xfrm>
-            <a:off x="6306454" y="4695599"/>
-            <a:ext cx="152383" cy="3533992"/>
+            <a:off x="6306454" y="4695598"/>
+            <a:ext cx="170546" cy="4616237"/>
           </a:xfrm>
           <a:prstGeom prst="rect">
             <a:avLst/>
@@ -4420,13 +4504,14 @@
           <p:cNvPr id="71" name="Straight Connector 70"/>
           <p:cNvCxnSpPr>
             <a:cxnSpLocks/>
+            <a:endCxn id="106" idx="2"/>
           </p:cNvCxnSpPr>
           <p:nvPr/>
         </p:nvCxnSpPr>
         <p:spPr>
-          <a:xfrm>
-            <a:off x="8400148" y="1176860"/>
-            <a:ext cx="0" cy="4414787"/>
+          <a:xfrm flipH="1">
+            <a:off x="8391226" y="1176860"/>
+            <a:ext cx="8922" cy="5909740"/>
           </a:xfrm>
           <a:prstGeom prst="line">
             <a:avLst/>
@@ -4595,7 +4680,7 @@
         </p:nvCxnSpPr>
         <p:spPr>
           <a:xfrm>
-            <a:off x="1272251" y="8229600"/>
+            <a:off x="1272251" y="9327468"/>
             <a:ext cx="5052349" cy="0"/>
           </a:xfrm>
           <a:prstGeom prst="straightConnector1">
@@ -4787,7 +4872,7 @@
         </p:nvSpPr>
         <p:spPr>
           <a:xfrm>
-            <a:off x="3959137" y="7998523"/>
+            <a:off x="3959137" y="9096391"/>
             <a:ext cx="621216" cy="215444"/>
           </a:xfrm>
           <a:prstGeom prst="rect">
@@ -4827,7 +4912,7 @@
         </p:nvSpPr>
         <p:spPr>
           <a:xfrm>
-            <a:off x="218983" y="8281688"/>
+            <a:off x="218983" y="9196088"/>
             <a:ext cx="762000" cy="215444"/>
           </a:xfrm>
           <a:prstGeom prst="rect">
@@ -4867,7 +4952,7 @@
         </p:nvSpPr>
         <p:spPr>
           <a:xfrm>
-            <a:off x="6639246" y="7467600"/>
+            <a:off x="6639246" y="8587286"/>
             <a:ext cx="1590354" cy="461538"/>
           </a:xfrm>
           <a:prstGeom prst="rect">
@@ -4926,7 +5011,7 @@
         </p:nvSpPr>
         <p:spPr>
           <a:xfrm>
-            <a:off x="7396323" y="7929138"/>
+            <a:off x="7396323" y="9048824"/>
             <a:ext cx="152400" cy="171376"/>
           </a:xfrm>
           <a:prstGeom prst="rect">
@@ -4973,7 +5058,7 @@
         </p:nvCxnSpPr>
         <p:spPr>
           <a:xfrm>
-            <a:off x="6477000" y="8100514"/>
+            <a:off x="6477000" y="9220200"/>
             <a:ext cx="966624" cy="0"/>
           </a:xfrm>
           <a:prstGeom prst="straightConnector1">
@@ -5011,7 +5096,7 @@
         </p:nvSpPr>
         <p:spPr>
           <a:xfrm>
-            <a:off x="3850983" y="1405841"/>
+            <a:off x="3936799" y="1405841"/>
             <a:ext cx="1778201" cy="432035"/>
           </a:xfrm>
           <a:prstGeom prst="rect">
@@ -5303,7 +5388,7 @@
         </p:nvCxnSpPr>
         <p:spPr>
           <a:xfrm>
-            <a:off x="6477000" y="7467600"/>
+            <a:off x="6477000" y="8587286"/>
             <a:ext cx="162246" cy="0"/>
           </a:xfrm>
           <a:prstGeom prst="straightConnector1">
@@ -5332,7 +5417,9 @@
       <p:cxnSp>
         <p:nvCxnSpPr>
           <p:cNvPr id="50" name="Straight Arrow Connector 49"/>
-          <p:cNvCxnSpPr/>
+          <p:cNvCxnSpPr>
+            <a:cxnSpLocks/>
+          </p:cNvCxnSpPr>
           <p:nvPr/>
         </p:nvCxnSpPr>
         <p:spPr>
@@ -5508,7 +5595,7 @@
           <p:nvPr/>
         </p:nvPicPr>
         <p:blipFill>
-          <a:blip r:embed="rId2"/>
+          <a:blip r:embed="rId3"/>
           <a:stretch>
             <a:fillRect/>
           </a:stretch>
@@ -5617,7 +5704,7 @@
         </p:nvSpPr>
         <p:spPr>
           <a:xfrm>
-            <a:off x="4748648" y="2599070"/>
+            <a:off x="4811708" y="2599070"/>
             <a:ext cx="1042552" cy="169277"/>
           </a:xfrm>
           <a:prstGeom prst="rect">
@@ -6037,7 +6124,7 @@
         <p:spPr>
           <a:xfrm>
             <a:off x="6396187" y="3816956"/>
-            <a:ext cx="0" cy="831244"/>
+            <a:ext cx="0" cy="1812094"/>
           </a:xfrm>
           <a:prstGeom prst="line">
             <a:avLst/>
@@ -6368,13 +6455,14 @@
           </p:cNvPr>
           <p:cNvCxnSpPr>
             <a:cxnSpLocks/>
+            <a:endCxn id="102" idx="2"/>
           </p:cNvCxnSpPr>
           <p:nvPr/>
         </p:nvCxnSpPr>
         <p:spPr>
           <a:xfrm>
-            <a:off x="9771748" y="1176858"/>
-            <a:ext cx="0" cy="5892265"/>
+            <a:off x="9770166" y="990600"/>
+            <a:ext cx="0" cy="7318669"/>
           </a:xfrm>
           <a:prstGeom prst="line">
             <a:avLst/>
@@ -6421,7 +6509,7 @@
         </p:nvCxnSpPr>
         <p:spPr>
           <a:xfrm>
-            <a:off x="6478889" y="6200997"/>
+            <a:off x="6478889" y="7452463"/>
             <a:ext cx="3208450" cy="0"/>
           </a:xfrm>
           <a:prstGeom prst="straightConnector1">
@@ -6465,7 +6553,7 @@
         </p:nvCxnSpPr>
         <p:spPr>
           <a:xfrm flipV="1">
-            <a:off x="6477002" y="6400802"/>
+            <a:off x="6477002" y="7652268"/>
             <a:ext cx="3285523" cy="1"/>
           </a:xfrm>
           <a:prstGeom prst="straightConnector1">
@@ -6512,7 +6600,7 @@
         </p:nvSpPr>
         <p:spPr>
           <a:xfrm>
-            <a:off x="6661581" y="5987534"/>
+            <a:off x="6661581" y="7239000"/>
             <a:ext cx="2011237" cy="184666"/>
           </a:xfrm>
           <a:prstGeom prst="rect">
@@ -6586,7 +6674,7 @@
         </p:nvCxnSpPr>
         <p:spPr>
           <a:xfrm>
-            <a:off x="6477000" y="6886797"/>
+            <a:off x="6477000" y="8138263"/>
             <a:ext cx="3210339" cy="0"/>
           </a:xfrm>
           <a:prstGeom prst="straightConnector1">
@@ -6630,7 +6718,7 @@
         </p:nvCxnSpPr>
         <p:spPr>
           <a:xfrm flipV="1">
-            <a:off x="6486226" y="7069123"/>
+            <a:off x="6486226" y="8320589"/>
             <a:ext cx="3294748" cy="17477"/>
           </a:xfrm>
           <a:prstGeom prst="straightConnector1">
@@ -6677,7 +6765,7 @@
         </p:nvSpPr>
         <p:spPr>
           <a:xfrm>
-            <a:off x="6827965" y="6673334"/>
+            <a:off x="6827965" y="7924800"/>
             <a:ext cx="2011237" cy="184666"/>
           </a:xfrm>
           <a:prstGeom prst="rect">
@@ -6749,7 +6837,7 @@
         </p:nvSpPr>
         <p:spPr>
           <a:xfrm>
-            <a:off x="9687339" y="6200997"/>
+            <a:off x="9687339" y="7452463"/>
             <a:ext cx="152400" cy="199803"/>
           </a:xfrm>
           <a:prstGeom prst="rect">
@@ -6814,7 +6902,7 @@
         </p:nvSpPr>
         <p:spPr>
           <a:xfrm>
-            <a:off x="9693966" y="6858000"/>
+            <a:off x="9693966" y="8109466"/>
             <a:ext cx="152400" cy="199803"/>
           </a:xfrm>
           <a:prstGeom prst="rect">
@@ -6862,6 +6950,503 @@
                 </a:schemeClr>
               </a:solidFill>
             </a:endParaRPr>
+          </a:p>
+        </p:txBody>
+      </p:sp>
+      <p:sp>
+        <p:nvSpPr>
+          <p:cNvPr id="98" name="TextBox 97">
+            <a:extLst>
+              <a:ext uri="{FF2B5EF4-FFF2-40B4-BE49-F238E27FC236}">
+                <a16:creationId xmlns:a16="http://schemas.microsoft.com/office/drawing/2014/main" id="{7F38A314-BE52-4002-A849-3ED375F93969}"/>
+              </a:ext>
+            </a:extLst>
+          </p:cNvPr>
+          <p:cNvSpPr txBox="1"/>
+          <p:nvPr/>
+        </p:nvSpPr>
+        <p:spPr>
+          <a:xfrm>
+            <a:off x="2891045" y="1169654"/>
+            <a:ext cx="1391716" cy="430887"/>
+          </a:xfrm>
+          <a:prstGeom prst="rect">
+            <a:avLst/>
+          </a:prstGeom>
+          <a:noFill/>
+        </p:spPr>
+        <p:txBody>
+          <a:bodyPr wrap="square" lIns="0" tIns="0" rIns="0" bIns="0" rtlCol="0">
+            <a:spAutoFit/>
+          </a:bodyPr>
+          <a:lstStyle>
+            <a:defPPr>
+              <a:defRPr lang="en-US"/>
+            </a:defPPr>
+            <a:lvl1pPr algn="r">
+              <a:defRPr sz="1400">
+                <a:solidFill>
+                  <a:srgbClr val="0070C0"/>
+                </a:solidFill>
+              </a:defRPr>
+            </a:lvl1pPr>
+          </a:lstStyle>
+          <a:p>
+            <a:pPr algn="ctr"/>
+            <a:r>
+              <a:rPr lang="en-US" dirty="0" err="1"/>
+              <a:t>StatsCommand</a:t>
+            </a:r>
+            <a:endParaRPr lang="en-US" dirty="0"/>
+          </a:p>
+          <a:p>
+            <a:pPr algn="ctr"/>
+            <a:r>
+              <a:rPr lang="en-US" dirty="0"/>
+              <a:t>Parser()</a:t>
+            </a:r>
+          </a:p>
+        </p:txBody>
+      </p:sp>
+      <p:sp>
+        <p:nvSpPr>
+          <p:cNvPr id="99" name="Rectangle 98">
+            <a:extLst>
+              <a:ext uri="{FF2B5EF4-FFF2-40B4-BE49-F238E27FC236}">
+                <a16:creationId xmlns:a16="http://schemas.microsoft.com/office/drawing/2014/main" id="{0EBEC452-CBA3-4C8A-9E5A-2A8672351231}"/>
+              </a:ext>
+            </a:extLst>
+          </p:cNvPr>
+          <p:cNvSpPr/>
+          <p:nvPr/>
+        </p:nvSpPr>
+        <p:spPr>
+          <a:xfrm>
+            <a:off x="8315026" y="6124799"/>
+            <a:ext cx="152400" cy="199803"/>
+          </a:xfrm>
+          <a:prstGeom prst="rect">
+            <a:avLst/>
+          </a:prstGeom>
+          <a:solidFill>
+            <a:schemeClr val="accent4">
+              <a:lumMod val="60000"/>
+              <a:lumOff val="40000"/>
+            </a:schemeClr>
+          </a:solidFill>
+          <a:ln>
+            <a:solidFill>
+              <a:schemeClr val="accent4">
+                <a:lumMod val="60000"/>
+                <a:lumOff val="40000"/>
+              </a:schemeClr>
+            </a:solidFill>
+          </a:ln>
+          <a:effectLst/>
+        </p:spPr>
+        <p:style>
+          <a:lnRef idx="1">
+            <a:schemeClr val="accent3"/>
+          </a:lnRef>
+          <a:fillRef idx="2">
+            <a:schemeClr val="accent3"/>
+          </a:fillRef>
+          <a:effectRef idx="1">
+            <a:schemeClr val="accent3"/>
+          </a:effectRef>
+          <a:fontRef idx="minor">
+            <a:schemeClr val="dk1"/>
+          </a:fontRef>
+        </p:style>
+        <p:txBody>
+          <a:bodyPr rtlCol="0" anchor="ctr"/>
+          <a:lstStyle/>
+          <a:p>
+            <a:pPr algn="ctr"/>
+            <a:endParaRPr lang="en-SG" sz="1400"/>
+          </a:p>
+        </p:txBody>
+      </p:sp>
+      <p:cxnSp>
+        <p:nvCxnSpPr>
+          <p:cNvPr id="103" name="Straight Arrow Connector 102">
+            <a:extLst>
+              <a:ext uri="{FF2B5EF4-FFF2-40B4-BE49-F238E27FC236}">
+                <a16:creationId xmlns:a16="http://schemas.microsoft.com/office/drawing/2014/main" id="{7D064F45-AB98-40EA-8B8B-3366BC11F3FF}"/>
+              </a:ext>
+            </a:extLst>
+          </p:cNvPr>
+          <p:cNvCxnSpPr/>
+          <p:nvPr/>
+        </p:nvCxnSpPr>
+        <p:spPr>
+          <a:xfrm>
+            <a:off x="6478891" y="6124797"/>
+            <a:ext cx="1836137" cy="0"/>
+          </a:xfrm>
+          <a:prstGeom prst="straightConnector1">
+            <a:avLst/>
+          </a:prstGeom>
+          <a:ln w="19050">
+            <a:solidFill>
+              <a:srgbClr val="0070C0"/>
+            </a:solidFill>
+            <a:tailEnd type="arrow"/>
+          </a:ln>
+        </p:spPr>
+        <p:style>
+          <a:lnRef idx="1">
+            <a:schemeClr val="accent1"/>
+          </a:lnRef>
+          <a:fillRef idx="0">
+            <a:schemeClr val="accent1"/>
+          </a:fillRef>
+          <a:effectRef idx="0">
+            <a:schemeClr val="accent1"/>
+          </a:effectRef>
+          <a:fontRef idx="minor">
+            <a:schemeClr val="tx1"/>
+          </a:fontRef>
+        </p:style>
+      </p:cxnSp>
+      <p:cxnSp>
+        <p:nvCxnSpPr>
+          <p:cNvPr id="104" name="Straight Arrow Connector 103">
+            <a:extLst>
+              <a:ext uri="{FF2B5EF4-FFF2-40B4-BE49-F238E27FC236}">
+                <a16:creationId xmlns:a16="http://schemas.microsoft.com/office/drawing/2014/main" id="{6B226317-41E6-41EF-826D-C793EAADDB52}"/>
+              </a:ext>
+            </a:extLst>
+          </p:cNvPr>
+          <p:cNvCxnSpPr/>
+          <p:nvPr/>
+        </p:nvCxnSpPr>
+        <p:spPr>
+          <a:xfrm flipV="1">
+            <a:off x="6477000" y="6314850"/>
+            <a:ext cx="1838026" cy="9750"/>
+          </a:xfrm>
+          <a:prstGeom prst="straightConnector1">
+            <a:avLst/>
+          </a:prstGeom>
+          <a:ln w="19050">
+            <a:solidFill>
+              <a:schemeClr val="accent4">
+                <a:lumMod val="60000"/>
+                <a:lumOff val="40000"/>
+              </a:schemeClr>
+            </a:solidFill>
+            <a:prstDash val="sysDash"/>
+            <a:headEnd type="arrow" w="med" len="med"/>
+            <a:tailEnd type="none" w="med" len="med"/>
+          </a:ln>
+        </p:spPr>
+        <p:style>
+          <a:lnRef idx="1">
+            <a:schemeClr val="accent1"/>
+          </a:lnRef>
+          <a:fillRef idx="0">
+            <a:schemeClr val="accent1"/>
+          </a:fillRef>
+          <a:effectRef idx="0">
+            <a:schemeClr val="accent1"/>
+          </a:effectRef>
+          <a:fontRef idx="minor">
+            <a:schemeClr val="tx1"/>
+          </a:fontRef>
+        </p:style>
+      </p:cxnSp>
+      <p:sp>
+        <p:nvSpPr>
+          <p:cNvPr id="105" name="TextBox 104">
+            <a:extLst>
+              <a:ext uri="{FF2B5EF4-FFF2-40B4-BE49-F238E27FC236}">
+                <a16:creationId xmlns:a16="http://schemas.microsoft.com/office/drawing/2014/main" id="{14E1677E-D10A-4634-8A3F-F4585311144B}"/>
+              </a:ext>
+            </a:extLst>
+          </p:cNvPr>
+          <p:cNvSpPr txBox="1"/>
+          <p:nvPr/>
+        </p:nvSpPr>
+        <p:spPr>
+          <a:xfrm>
+            <a:off x="6661580" y="5715000"/>
+            <a:ext cx="1424846" cy="369332"/>
+          </a:xfrm>
+          <a:prstGeom prst="rect">
+            <a:avLst/>
+          </a:prstGeom>
+          <a:noFill/>
+        </p:spPr>
+        <p:txBody>
+          <a:bodyPr wrap="square" lIns="0" tIns="0" rIns="0" bIns="0" rtlCol="0">
+            <a:spAutoFit/>
+          </a:bodyPr>
+          <a:lstStyle>
+            <a:defPPr>
+              <a:defRPr lang="en-US"/>
+            </a:defPPr>
+            <a:lvl1pPr algn="r">
+              <a:defRPr sz="1400">
+                <a:solidFill>
+                  <a:srgbClr val="0070C0"/>
+                </a:solidFill>
+              </a:defRPr>
+            </a:lvl1pPr>
+          </a:lstStyle>
+          <a:p>
+            <a:r>
+              <a:rPr lang="en-US" sz="1200" dirty="0" err="1">
+                <a:solidFill>
+                  <a:srgbClr val="7030A0"/>
+                </a:solidFill>
+              </a:rPr>
+              <a:t>updateStatsPeriod</a:t>
+            </a:r>
+            <a:endParaRPr lang="en-US" sz="1200" dirty="0">
+              <a:solidFill>
+                <a:srgbClr val="7030A0"/>
+              </a:solidFill>
+            </a:endParaRPr>
+          </a:p>
+          <a:p>
+            <a:r>
+              <a:rPr lang="en-US" sz="1200" dirty="0">
+                <a:solidFill>
+                  <a:srgbClr val="7030A0"/>
+                </a:solidFill>
+              </a:rPr>
+              <a:t>(period)</a:t>
+            </a:r>
+          </a:p>
+        </p:txBody>
+      </p:sp>
+      <p:sp>
+        <p:nvSpPr>
+          <p:cNvPr id="106" name="Rectangle 105">
+            <a:extLst>
+              <a:ext uri="{FF2B5EF4-FFF2-40B4-BE49-F238E27FC236}">
+                <a16:creationId xmlns:a16="http://schemas.microsoft.com/office/drawing/2014/main" id="{4654EE81-2BC9-421D-B9F3-85516E89D923}"/>
+              </a:ext>
+            </a:extLst>
+          </p:cNvPr>
+          <p:cNvSpPr/>
+          <p:nvPr/>
+        </p:nvSpPr>
+        <p:spPr>
+          <a:xfrm>
+            <a:off x="8315026" y="6886797"/>
+            <a:ext cx="152400" cy="199803"/>
+          </a:xfrm>
+          <a:prstGeom prst="rect">
+            <a:avLst/>
+          </a:prstGeom>
+          <a:solidFill>
+            <a:schemeClr val="accent4">
+              <a:lumMod val="60000"/>
+              <a:lumOff val="40000"/>
+            </a:schemeClr>
+          </a:solidFill>
+          <a:ln>
+            <a:solidFill>
+              <a:schemeClr val="accent4">
+                <a:lumMod val="60000"/>
+                <a:lumOff val="40000"/>
+              </a:schemeClr>
+            </a:solidFill>
+          </a:ln>
+          <a:effectLst/>
+        </p:spPr>
+        <p:style>
+          <a:lnRef idx="1">
+            <a:schemeClr val="accent3"/>
+          </a:lnRef>
+          <a:fillRef idx="2">
+            <a:schemeClr val="accent3"/>
+          </a:fillRef>
+          <a:effectRef idx="1">
+            <a:schemeClr val="accent3"/>
+          </a:effectRef>
+          <a:fontRef idx="minor">
+            <a:schemeClr val="dk1"/>
+          </a:fontRef>
+        </p:style>
+        <p:txBody>
+          <a:bodyPr rtlCol="0" anchor="ctr"/>
+          <a:lstStyle/>
+          <a:p>
+            <a:pPr algn="ctr"/>
+            <a:endParaRPr lang="en-SG" sz="1400"/>
+          </a:p>
+        </p:txBody>
+      </p:sp>
+      <p:cxnSp>
+        <p:nvCxnSpPr>
+          <p:cNvPr id="107" name="Straight Arrow Connector 106">
+            <a:extLst>
+              <a:ext uri="{FF2B5EF4-FFF2-40B4-BE49-F238E27FC236}">
+                <a16:creationId xmlns:a16="http://schemas.microsoft.com/office/drawing/2014/main" id="{4AEA3559-D325-49EC-86C9-DD8F03F69DA2}"/>
+              </a:ext>
+            </a:extLst>
+          </p:cNvPr>
+          <p:cNvCxnSpPr/>
+          <p:nvPr/>
+        </p:nvCxnSpPr>
+        <p:spPr>
+          <a:xfrm>
+            <a:off x="6478891" y="6886795"/>
+            <a:ext cx="1836137" cy="0"/>
+          </a:xfrm>
+          <a:prstGeom prst="straightConnector1">
+            <a:avLst/>
+          </a:prstGeom>
+          <a:ln w="19050">
+            <a:solidFill>
+              <a:srgbClr val="0070C0"/>
+            </a:solidFill>
+            <a:tailEnd type="arrow"/>
+          </a:ln>
+        </p:spPr>
+        <p:style>
+          <a:lnRef idx="1">
+            <a:schemeClr val="accent1"/>
+          </a:lnRef>
+          <a:fillRef idx="0">
+            <a:schemeClr val="accent1"/>
+          </a:fillRef>
+          <a:effectRef idx="0">
+            <a:schemeClr val="accent1"/>
+          </a:effectRef>
+          <a:fontRef idx="minor">
+            <a:schemeClr val="tx1"/>
+          </a:fontRef>
+        </p:style>
+      </p:cxnSp>
+      <p:cxnSp>
+        <p:nvCxnSpPr>
+          <p:cNvPr id="108" name="Straight Arrow Connector 107">
+            <a:extLst>
+              <a:ext uri="{FF2B5EF4-FFF2-40B4-BE49-F238E27FC236}">
+                <a16:creationId xmlns:a16="http://schemas.microsoft.com/office/drawing/2014/main" id="{0A47B14B-55C5-40CC-B59D-E28100D40E86}"/>
+              </a:ext>
+            </a:extLst>
+          </p:cNvPr>
+          <p:cNvCxnSpPr/>
+          <p:nvPr/>
+        </p:nvCxnSpPr>
+        <p:spPr>
+          <a:xfrm flipV="1">
+            <a:off x="6477000" y="7076848"/>
+            <a:ext cx="1838026" cy="9750"/>
+          </a:xfrm>
+          <a:prstGeom prst="straightConnector1">
+            <a:avLst/>
+          </a:prstGeom>
+          <a:ln w="19050">
+            <a:solidFill>
+              <a:schemeClr val="accent4">
+                <a:lumMod val="60000"/>
+                <a:lumOff val="40000"/>
+              </a:schemeClr>
+            </a:solidFill>
+            <a:prstDash val="sysDash"/>
+            <a:headEnd type="arrow" w="med" len="med"/>
+            <a:tailEnd type="none" w="med" len="med"/>
+          </a:ln>
+        </p:spPr>
+        <p:style>
+          <a:lnRef idx="1">
+            <a:schemeClr val="accent1"/>
+          </a:lnRef>
+          <a:fillRef idx="0">
+            <a:schemeClr val="accent1"/>
+          </a:fillRef>
+          <a:effectRef idx="0">
+            <a:schemeClr val="accent1"/>
+          </a:effectRef>
+          <a:fontRef idx="minor">
+            <a:schemeClr val="tx1"/>
+          </a:fontRef>
+        </p:style>
+      </p:cxnSp>
+      <p:sp>
+        <p:nvSpPr>
+          <p:cNvPr id="109" name="TextBox 108">
+            <a:extLst>
+              <a:ext uri="{FF2B5EF4-FFF2-40B4-BE49-F238E27FC236}">
+                <a16:creationId xmlns:a16="http://schemas.microsoft.com/office/drawing/2014/main" id="{C698EA9E-62CC-4B7F-838C-C817411C1D92}"/>
+              </a:ext>
+            </a:extLst>
+          </p:cNvPr>
+          <p:cNvSpPr txBox="1"/>
+          <p:nvPr/>
+        </p:nvSpPr>
+        <p:spPr>
+          <a:xfrm>
+            <a:off x="6661580" y="6476998"/>
+            <a:ext cx="1424846" cy="369332"/>
+          </a:xfrm>
+          <a:prstGeom prst="rect">
+            <a:avLst/>
+          </a:prstGeom>
+          <a:noFill/>
+        </p:spPr>
+        <p:txBody>
+          <a:bodyPr wrap="square" lIns="0" tIns="0" rIns="0" bIns="0" rtlCol="0">
+            <a:spAutoFit/>
+          </a:bodyPr>
+          <a:lstStyle>
+            <a:defPPr>
+              <a:defRPr lang="en-US"/>
+            </a:defPPr>
+            <a:lvl1pPr algn="r">
+              <a:defRPr sz="1400">
+                <a:solidFill>
+                  <a:srgbClr val="0070C0"/>
+                </a:solidFill>
+              </a:defRPr>
+            </a:lvl1pPr>
+          </a:lstStyle>
+          <a:p>
+            <a:r>
+              <a:rPr lang="en-US" sz="1200" dirty="0" err="1">
+                <a:solidFill>
+                  <a:srgbClr val="7030A0"/>
+                </a:solidFill>
+              </a:rPr>
+              <a:t>updatePeriodAmount</a:t>
+            </a:r>
+            <a:endParaRPr lang="en-US" sz="1200" dirty="0">
+              <a:solidFill>
+                <a:srgbClr val="7030A0"/>
+              </a:solidFill>
+            </a:endParaRPr>
+          </a:p>
+          <a:p>
+            <a:r>
+              <a:rPr lang="en-US" sz="1200" dirty="0">
+                <a:solidFill>
+                  <a:srgbClr val="7030A0"/>
+                </a:solidFill>
+              </a:rPr>
+              <a:t>(</a:t>
+            </a:r>
+            <a:r>
+              <a:rPr lang="en-US" sz="1200" dirty="0" err="1">
+                <a:solidFill>
+                  <a:srgbClr val="7030A0"/>
+                </a:solidFill>
+              </a:rPr>
+              <a:t>periodAmount</a:t>
+            </a:r>
+            <a:r>
+              <a:rPr lang="en-US" sz="1200" dirty="0">
+                <a:solidFill>
+                  <a:srgbClr val="7030A0"/>
+                </a:solidFill>
+              </a:rPr>
+              <a:t>)</a:t>
+            </a:r>
           </a:p>
         </p:txBody>
       </p:sp>
